--- a/REPO_MarksCodeAndPPTs/DotNetPPTs/dotnetWeek4Ppts/D20_.NET_CloudComputingBasicsAndModels.pptx
+++ b/REPO_MarksCodeAndPPTs/DotNetPPTs/dotnetWeek4Ppts/D20_.NET_CloudComputingBasicsAndModels.pptx
@@ -125,7 +125,7 @@
 <file path=ppt/revisionInfo.xml><?xml version="1.0" encoding="utf-8"?>
 <p1510:revInfo xmlns:a="http://schemas.openxmlformats.org/drawingml/2006/main" xmlns:r="http://schemas.openxmlformats.org/officeDocument/2006/relationships" xmlns:p1510="http://schemas.microsoft.com/office/powerpoint/2015/10/main">
   <p1510:revLst>
-    <p1510:client id="{061D3044-6C40-47EA-BCF0-E4E7CBE8DCE2}" v="167" dt="2020-04-01T18:28:26.016"/>
+    <p1510:client id="{061D3044-6C40-47EA-BCF0-E4E7CBE8DCE2}" v="169" dt="2020-04-02T13:54:31.268"/>
   </p1510:revLst>
 </p1510:revInfo>
 </file>
@@ -374,7 +374,7 @@
           <a:p>
             <a:fld id="{9184DA70-C731-4C70-880D-CCD4705E623C}" type="datetime1">
               <a:rPr lang="en-US" smtClean="0"/>
-              <a:t>4/1/2020</a:t>
+              <a:t>4/2/2020</a:t>
             </a:fld>
             <a:endParaRPr lang="en-US" dirty="0"/>
           </a:p>
@@ -562,7 +562,7 @@
           <a:p>
             <a:fld id="{B612A279-0833-481D-8C56-F67FD0AC6C50}" type="datetime1">
               <a:rPr lang="en-US" smtClean="0"/>
-              <a:t>4/1/2020</a:t>
+              <a:t>4/2/2020</a:t>
             </a:fld>
             <a:endParaRPr lang="en-US" dirty="0"/>
           </a:p>
@@ -804,7 +804,7 @@
           <a:p>
             <a:fld id="{6587DA83-5663-4C9C-B9AA-0B40A3DAFF81}" type="datetime1">
               <a:rPr lang="en-US" smtClean="0"/>
-              <a:t>4/1/2020</a:t>
+              <a:t>4/2/2020</a:t>
             </a:fld>
             <a:endParaRPr lang="en-US" dirty="0"/>
           </a:p>
@@ -992,7 +992,7 @@
           <a:p>
             <a:fld id="{4BE1D723-8F53-4F53-90B0-1982A396982E}" type="datetime1">
               <a:rPr lang="en-US" smtClean="0"/>
-              <a:t>4/1/2020</a:t>
+              <a:t>4/2/2020</a:t>
             </a:fld>
             <a:endParaRPr lang="en-US" dirty="0"/>
           </a:p>
@@ -1365,7 +1365,7 @@
           <a:p>
             <a:fld id="{97669AF7-7BEB-44E4-9852-375E34362B5B}" type="datetime1">
               <a:rPr lang="en-US" smtClean="0"/>
-              <a:t>4/1/2020</a:t>
+              <a:t>4/2/2020</a:t>
             </a:fld>
             <a:endParaRPr lang="en-US" dirty="0"/>
           </a:p>
@@ -1620,7 +1620,7 @@
           <a:p>
             <a:fld id="{BAAAC38D-0552-4C82-B593-E6124DFADBE2}" type="datetime1">
               <a:rPr lang="en-US" smtClean="0"/>
-              <a:t>4/1/2020</a:t>
+              <a:t>4/2/2020</a:t>
             </a:fld>
             <a:endParaRPr lang="en-US" dirty="0"/>
           </a:p>
@@ -2017,7 +2017,7 @@
           <a:p>
             <a:fld id="{D9DF0F1C-5577-4ACB-BB62-DF8F3C494C7E}" type="datetime1">
               <a:rPr lang="en-US" smtClean="0"/>
-              <a:t>4/1/2020</a:t>
+              <a:t>4/2/2020</a:t>
             </a:fld>
             <a:endParaRPr lang="en-US" dirty="0"/>
           </a:p>
@@ -2153,7 +2153,7 @@
           <a:p>
             <a:fld id="{1775B394-D9F9-4F0C-B15D-605F45CB9E9F}" type="datetime1">
               <a:rPr lang="en-US" smtClean="0"/>
-              <a:t>4/1/2020</a:t>
+              <a:t>4/2/2020</a:t>
             </a:fld>
             <a:endParaRPr lang="en-US" dirty="0"/>
           </a:p>
@@ -2310,7 +2310,7 @@
           <a:p>
             <a:fld id="{39667345-2558-425A-8533-9BFDBCE15005}" type="datetime1">
               <a:rPr lang="en-US" smtClean="0"/>
-              <a:t>4/1/2020</a:t>
+              <a:t>4/2/2020</a:t>
             </a:fld>
             <a:endParaRPr lang="en-US" dirty="0"/>
           </a:p>
@@ -2639,7 +2639,7 @@
           <a:p>
             <a:fld id="{92BEA474-078D-4E9B-9B14-09A87B19DC46}" type="datetime1">
               <a:rPr lang="en-US" smtClean="0"/>
-              <a:t>4/1/2020</a:t>
+              <a:t>4/2/2020</a:t>
             </a:fld>
             <a:endParaRPr lang="en-US" dirty="0"/>
           </a:p>
@@ -2989,7 +2989,7 @@
           <a:p>
             <a:fld id="{4907D986-8816-4272-A432-0437A28A9828}" type="datetime1">
               <a:rPr lang="en-US" smtClean="0"/>
-              <a:t>4/1/2020</a:t>
+              <a:t>4/2/2020</a:t>
             </a:fld>
             <a:endParaRPr lang="en-US" dirty="0"/>
           </a:p>
@@ -3250,7 +3250,7 @@
           <a:p>
             <a:fld id="{62D6E202-B606-4609-B914-27C9371A1F6D}" type="datetime1">
               <a:rPr lang="en-US" smtClean="0"/>
-              <a:t>4/1/2020</a:t>
+              <a:t>4/2/2020</a:t>
             </a:fld>
             <a:endParaRPr lang="en-US" dirty="0"/>
           </a:p>
@@ -4097,17 +4097,31 @@
         </p:nvSpPr>
         <p:spPr>
           <a:xfrm>
-            <a:off x="1066800" y="1946836"/>
-            <a:ext cx="10058400" cy="2032198"/>
+            <a:off x="1066800" y="2029965"/>
+            <a:ext cx="10058400" cy="1883168"/>
           </a:xfrm>
         </p:spPr>
         <p:txBody>
-          <a:bodyPr/>
-          <a:lstStyle/>
-          <a:p>
-            <a:r>
-              <a:rPr lang="en-US" dirty="0"/>
-              <a:t>Software as a service is a method for delivering software applications over the Internet, on demand and typically on a subscription basis. With SaaS, cloud providers host and manage the software application and underlying infrastructure, and handle any maintenance, like software upgrades and security patching. Users connect to the application over the Internet, usually with a web browser on their phone, tablet, or PC.</a:t>
+          <a:bodyPr>
+            <a:normAutofit/>
+          </a:bodyPr>
+          <a:lstStyle/>
+          <a:p>
+            <a:r>
+              <a:rPr lang="en-US" sz="2000" b="1" i="1" dirty="0"/>
+              <a:t>SaaS</a:t>
+            </a:r>
+            <a:r>
+              <a:rPr lang="en-US" sz="2000" dirty="0"/>
+              <a:t> is a method for delivering software applications over the Internet, on demand and typically on a subscription basis. With </a:t>
+            </a:r>
+            <a:r>
+              <a:rPr lang="en-US" sz="2000" b="1" i="1" dirty="0"/>
+              <a:t>SaaS</a:t>
+            </a:r>
+            <a:r>
+              <a:rPr lang="en-US" sz="2000" dirty="0"/>
+              <a:t>, cloud providers host and manage the software application and underlying infrastructure, and handle any maintenance, like software upgrades and security patching. Users simply connect to the application over the Internet.</a:t>
             </a:r>
           </a:p>
         </p:txBody>
@@ -4448,7 +4462,7 @@
                   <a:srgbClr val="FFFFFF"/>
                 </a:solidFill>
               </a:rPr>
-              <a:t>Cloud computing is the delivery of computing services (servers, storage, databases, networking, software, analytics, intelligence) over the Internet (“the cloud”) to offer faster innovation, flexible resources, and economies of scale.</a:t>
+              <a:t>Cloud computing is the delivery of computing services (servers, storage, databases, networking, software, analytics, intelligence) over the Internet (“the cloud”) to offer faster innovation, flexible resources, and scalability.</a:t>
             </a:r>
           </a:p>
         </p:txBody>
@@ -4667,7 +4681,7 @@
             </a:r>
             <a:r>
               <a:rPr lang="en-US" sz="2000" dirty="0"/>
-              <a:t> - Eliminate the expense of hardware and software, the inefficiencies of setting up data centers, the payment for electricity for power and cooling, and the hiring of additional IT experts for managing infrastructure. IT teams can be more productive while achieving more important business goals.</a:t>
+              <a:t> - Eliminate the expense of hardware and software, the inefficiencies of setting up data centers, electricity payments for power and cooling, and the hiring of additional IT experts for managing infrastructure. IT teams can be more productive while achieving more important business goals.</a:t>
             </a:r>
           </a:p>
           <a:p>
@@ -5334,48 +5348,6 @@
           </a:p>
         </p:txBody>
       </p:sp>
-      <p:sp>
-        <p:nvSpPr>
-          <p:cNvPr id="3" name="Content Placeholder 2">
-            <a:extLst>
-              <a:ext uri="{FF2B5EF4-FFF2-40B4-BE49-F238E27FC236}">
-                <a16:creationId xmlns:a16="http://schemas.microsoft.com/office/drawing/2014/main" id="{8EABC5DB-1F94-4B99-9F51-5010E41A1DCF}"/>
-              </a:ext>
-            </a:extLst>
-          </p:cNvPr>
-          <p:cNvSpPr>
-            <a:spLocks noGrp="1"/>
-          </p:cNvSpPr>
-          <p:nvPr>
-            <p:ph idx="1"/>
-          </p:nvPr>
-        </p:nvSpPr>
-        <p:spPr>
-          <a:xfrm>
-            <a:off x="152400" y="1823823"/>
-            <a:ext cx="11836400" cy="462176"/>
-          </a:xfrm>
-        </p:spPr>
-        <p:txBody>
-          <a:bodyPr>
-            <a:normAutofit fontScale="92500"/>
-          </a:bodyPr>
-          <a:lstStyle/>
-          <a:p>
-            <a:pPr marL="0" indent="0" algn="ctr">
-              <a:buNone/>
-            </a:pPr>
-            <a:r>
-              <a:rPr lang="en-US" sz="2400" dirty="0">
-                <a:highlight>
-                  <a:srgbClr val="FFFF00"/>
-                </a:highlight>
-              </a:rPr>
-              <a:t>There are three different types of cloud services: A public cloud, A private cloud, and A hybrid cloud.</a:t>
-            </a:r>
-          </a:p>
-        </p:txBody>
-      </p:sp>
       <p:graphicFrame>
         <p:nvGraphicFramePr>
           <p:cNvPr id="4" name="Table 4">
@@ -5391,13 +5363,13 @@
           <p:nvPr>
             <p:extLst>
               <p:ext uri="{D42A27DB-BD31-4B8C-83A1-F6EECF244321}">
-                <p14:modId xmlns:p14="http://schemas.microsoft.com/office/powerpoint/2010/main" val="2126952559"/>
+                <p14:modId xmlns:p14="http://schemas.microsoft.com/office/powerpoint/2010/main" val="1311263355"/>
               </p:ext>
             </p:extLst>
           </p:nvPr>
         </p:nvGraphicFramePr>
         <p:xfrm>
-          <a:off x="471488" y="2400612"/>
+          <a:off x="471488" y="2026541"/>
           <a:ext cx="11201400" cy="4267200"/>
         </p:xfrm>
         <a:graphic>
@@ -5516,7 +5488,7 @@
                       </a:r>
                       <a:r>
                         <a:rPr lang="en-US" sz="2000" dirty="0"/>
-                        <a:t>, and </a:t>
+                        <a:t>*, and </a:t>
                       </a:r>
                       <a:r>
                         <a:rPr lang="en-US" sz="2000" dirty="0">
@@ -5526,7 +5498,7 @@
                       </a:r>
                       <a:r>
                         <a:rPr lang="en-US" sz="2000" dirty="0"/>
-                        <a:t> are public cloud services. </a:t>
+                        <a:t>** are public cloud services. </a:t>
                       </a:r>
                     </a:p>
                     <a:p>
@@ -5604,18 +5576,30 @@
                     <a:bodyPr/>
                     <a:lstStyle/>
                     <a:p>
+                      <a:pPr marL="342900" indent="-342900">
+                        <a:buFont typeface="Arial" panose="020B0604020202020204" pitchFamily="34" charset="0"/>
+                        <a:buChar char="•"/>
+                      </a:pPr>
                       <a:r>
                         <a:rPr lang="en-US" sz="2000" dirty="0"/>
                         <a:t>Public cloud and either private  and/or on-site clouds combined. </a:t>
                       </a:r>
                     </a:p>
                     <a:p>
+                      <a:pPr marL="342900" indent="-342900">
+                        <a:buFont typeface="Arial" panose="020B0604020202020204" pitchFamily="34" charset="0"/>
+                        <a:buChar char="•"/>
+                      </a:pPr>
                       <a:r>
                         <a:rPr lang="en-US" sz="2000" dirty="0"/>
-                        <a:t>They are bound together by technology that allows data and applications to be shared between them. </a:t>
+                        <a:t>Bound together by technology that allows data and applications to be shared between them. </a:t>
                       </a:r>
                     </a:p>
                     <a:p>
+                      <a:pPr marL="342900" indent="-342900">
+                        <a:buFont typeface="Arial" panose="020B0604020202020204" pitchFamily="34" charset="0"/>
+                        <a:buChar char="•"/>
+                      </a:pPr>
                       <a:r>
                         <a:rPr lang="en-US" sz="2000" dirty="0"/>
                         <a:t>Gives businesses greater flexibility, more deployment options, and helps optimize existing infrastructure, security, and compliance.</a:t>
@@ -5634,6 +5618,57 @@
           </a:graphicData>
         </a:graphic>
       </p:graphicFrame>
+      <p:sp>
+        <p:nvSpPr>
+          <p:cNvPr id="7" name="TextBox 6">
+            <a:extLst>
+              <a:ext uri="{FF2B5EF4-FFF2-40B4-BE49-F238E27FC236}">
+                <a16:creationId xmlns:a16="http://schemas.microsoft.com/office/drawing/2014/main" id="{6AADB06C-8411-4CE7-B51E-88344D0E5128}"/>
+              </a:ext>
+            </a:extLst>
+          </p:cNvPr>
+          <p:cNvSpPr txBox="1"/>
+          <p:nvPr/>
+        </p:nvSpPr>
+        <p:spPr>
+          <a:xfrm>
+            <a:off x="10289772" y="6396335"/>
+            <a:ext cx="1870365" cy="461665"/>
+          </a:xfrm>
+          <a:prstGeom prst="rect">
+            <a:avLst/>
+          </a:prstGeom>
+          <a:noFill/>
+        </p:spPr>
+        <p:txBody>
+          <a:bodyPr wrap="square" rtlCol="0">
+            <a:spAutoFit/>
+          </a:bodyPr>
+          <a:lstStyle/>
+          <a:p>
+            <a:pPr algn="r"/>
+            <a:r>
+              <a:rPr lang="en-US" sz="1200" dirty="0">
+                <a:highlight>
+                  <a:srgbClr val="FFFF00"/>
+                </a:highlight>
+              </a:rPr>
+              <a:t>*Amazon Web Services</a:t>
+            </a:r>
+          </a:p>
+          <a:p>
+            <a:pPr algn="r"/>
+            <a:r>
+              <a:rPr lang="en-US" sz="1200" dirty="0">
+                <a:highlight>
+                  <a:srgbClr val="FFFF00"/>
+                </a:highlight>
+              </a:rPr>
+              <a:t>**Google Cloud Platform</a:t>
+            </a:r>
+          </a:p>
+        </p:txBody>
+      </p:sp>
     </p:spTree>
     <p:extLst>
       <p:ext uri="{BB962C8B-B14F-4D97-AF65-F5344CB8AC3E}">
@@ -5922,7 +5957,7 @@
         <p:spPr>
           <a:xfrm>
             <a:off x="1097280" y="1922463"/>
-            <a:ext cx="10058400" cy="1870832"/>
+            <a:ext cx="10058400" cy="2060278"/>
           </a:xfrm>
         </p:spPr>
         <p:txBody>
@@ -5932,24 +5967,32 @@
           <a:lstStyle/>
           <a:p>
             <a:r>
-              <a:rPr lang="en-US" dirty="0"/>
+              <a:rPr lang="en-US" sz="2000" dirty="0"/>
               <a:t>With </a:t>
             </a:r>
             <a:r>
-              <a:rPr lang="en-US" b="1" i="1" dirty="0"/>
+              <a:rPr lang="en-US" sz="2000" b="1" i="1" dirty="0"/>
               <a:t>IaaS</a:t>
             </a:r>
             <a:r>
-              <a:rPr lang="en-US" dirty="0"/>
+              <a:rPr lang="en-US" sz="2000" dirty="0"/>
               <a:t>, you rent IT infrastructure (servers and virtual machines (VMs), storage, networks, operating systems) from a cloud provider on a pay-as-you-go basis. </a:t>
             </a:r>
             <a:r>
-              <a:rPr lang="en-US" b="1" i="1" dirty="0"/>
+              <a:rPr lang="en-US" sz="2000" b="1" i="1" dirty="0"/>
               <a:t>IaaS</a:t>
             </a:r>
             <a:r>
-              <a:rPr lang="en-US" dirty="0"/>
-              <a:t> quickly scales up and down with demand, letting you pay for only what you use. It helps you avoid the expense and complexity of buying and managing your own physical servers and other datacenter infrastructure. Each resource is offered as a separate service component, and you only need to rent one for as long as you need it.</a:t>
+              <a:rPr lang="en-US" sz="2000" dirty="0"/>
+              <a:t> quickly scales up and down with demand. </a:t>
+            </a:r>
+            <a:r>
+              <a:rPr lang="en-US" sz="2000" b="1" i="1" dirty="0"/>
+              <a:t>IaaS</a:t>
+            </a:r>
+            <a:r>
+              <a:rPr lang="en-US" sz="2000" dirty="0"/>
+              <a:t> helps you avoid the expense and complexity of buying and managing your own physical servers and other datacenter infrastructure. Each resource is offered as a separate service component, and you only need to rent one for as long as you need it.</a:t>
             </a:r>
           </a:p>
         </p:txBody>
@@ -6095,7 +6138,7 @@
         <p:spPr>
           <a:xfrm>
             <a:off x="1097280" y="1936745"/>
-            <a:ext cx="10058400" cy="1894733"/>
+            <a:ext cx="10058400" cy="1972526"/>
           </a:xfrm>
         </p:spPr>
         <p:txBody>
@@ -6105,8 +6148,20 @@
           <a:lstStyle/>
           <a:p>
             <a:r>
-              <a:rPr lang="en-US" dirty="0"/>
-              <a:t>Platform as a service (PaaS) is a complete development and deployment environment in the cloud. PaaS refers to cloud computing services that supply an on-demand environment for developing, testing, delivering, and managing software applications. PaaS is designed to make it easier for developers to quickly create web or mobile apps, without worrying about setting up or managing the underlying infrastructure of servers, storage, network, and databases needed for development.</a:t>
+              <a:rPr lang="en-US" sz="2000" b="1" i="1" dirty="0"/>
+              <a:t>PaaS</a:t>
+            </a:r>
+            <a:r>
+              <a:rPr lang="en-US" sz="2000" dirty="0"/>
+              <a:t> is a complete development and deployment environment in the cloud. PaaS refers to cloud computing services that supply an on-demand environment for developing, testing, delivering, and managing software applications. </a:t>
+            </a:r>
+            <a:r>
+              <a:rPr lang="en-US" sz="2000" b="1" i="1" dirty="0"/>
+              <a:t>PaaS</a:t>
+            </a:r>
+            <a:r>
+              <a:rPr lang="en-US" sz="2000" dirty="0"/>
+              <a:t> is designed to make it easier for developers to quickly create web or mobile apps, without worrying about setting up or managing the underlying infrastructure of servers, storage, network, and databases needed for development.</a:t>
             </a:r>
           </a:p>
         </p:txBody>

--- a/REPO_MarksCodeAndPPTs/DotNetPPTs/dotnetWeek4Ppts/D20_.NET_CloudComputingBasicsAndModels.pptx
+++ b/REPO_MarksCodeAndPPTs/DotNetPPTs/dotnetWeek4Ppts/D20_.NET_CloudComputingBasicsAndModels.pptx
@@ -4266,13 +4266,13 @@
         </p:nvSpPr>
         <p:spPr>
           <a:xfrm>
-            <a:off x="846667" y="1981200"/>
-            <a:ext cx="10701866" cy="4351867"/>
+            <a:off x="494270" y="1981200"/>
+            <a:ext cx="11337325" cy="4351867"/>
           </a:xfrm>
         </p:spPr>
         <p:txBody>
           <a:bodyPr>
-            <a:normAutofit/>
+            <a:normAutofit fontScale="85000" lnSpcReduction="20000"/>
           </a:bodyPr>
           <a:lstStyle/>
           <a:p>
@@ -4281,7 +4281,23 @@
             </a:pPr>
             <a:r>
               <a:rPr lang="en-US" sz="3200" dirty="0"/>
-              <a:t>Create a Google Slides or PPT presentation. </a:t>
+              <a:t>Create a </a:t>
+            </a:r>
+            <a:r>
+              <a:rPr lang="en-US" sz="3200" b="1" i="1" dirty="0"/>
+              <a:t>Google Slides</a:t>
+            </a:r>
+            <a:r>
+              <a:rPr lang="en-US" sz="3200" dirty="0"/>
+              <a:t> or </a:t>
+            </a:r>
+            <a:r>
+              <a:rPr lang="en-US" sz="3200" b="1" i="1" dirty="0"/>
+              <a:t>PPT</a:t>
+            </a:r>
+            <a:r>
+              <a:rPr lang="en-US" sz="3200" dirty="0"/>
+              <a:t> presentation. </a:t>
             </a:r>
           </a:p>
           <a:p>
@@ -4291,7 +4307,7 @@
             </a:pPr>
             <a:r>
               <a:rPr lang="en-US" sz="3000" dirty="0"/>
-              <a:t>Explain your understanding of the three different types of Services. </a:t>
+              <a:t>In your own words, explain the three different types of Services. </a:t>
             </a:r>
           </a:p>
           <a:p>
@@ -4323,6 +4339,39 @@
               <a:rPr lang="en-US" sz="3000" dirty="0"/>
               <a:t>Explain which type of cloud (private, public, hybrid) is best for each situation.</a:t>
             </a:r>
+          </a:p>
+          <a:p>
+            <a:pPr marL="749808" lvl="1" indent="-457200">
+              <a:buFont typeface="+mj-lt"/>
+              <a:buAutoNum type="arabicPeriod"/>
+            </a:pPr>
+            <a:r>
+              <a:rPr lang="en-US" sz="3000" dirty="0"/>
+              <a:t>Identify a service offered by MS Azure, AWS, GCP, etc, that would fall under the service and cloud type of each of your three use cases.</a:t>
+            </a:r>
+          </a:p>
+          <a:p>
+            <a:pPr marL="292608" lvl="1" indent="0">
+              <a:buNone/>
+            </a:pPr>
+            <a:r>
+              <a:rPr lang="en-US" sz="3000" dirty="0"/>
+              <a:t>*Each group member must present equivalent numbers of slides.</a:t>
+            </a:r>
+          </a:p>
+          <a:p>
+            <a:pPr marL="292608" lvl="1" indent="0">
+              <a:buNone/>
+            </a:pPr>
+            <a:r>
+              <a:rPr lang="en-US" sz="3000" dirty="0"/>
+              <a:t>*Each team will be limited to 5 minutes so practice fitting your entire presentation to </a:t>
+            </a:r>
+            <a:r>
+              <a:rPr lang="en-US" sz="3000"/>
+              <a:t>that timeframe.</a:t>
+            </a:r>
+            <a:endParaRPr lang="en-US" sz="3000" dirty="0"/>
           </a:p>
         </p:txBody>
       </p:sp>
